--- a/docs/assets/fractals/curves/golden.pptx
+++ b/docs/assets/fractals/curves/golden.pptx
@@ -197,7 +197,7 @@
           <a:p>
             <a:fld id="{B3645E82-7B42-A74F-8BFC-0AA10BEB2623}" type="datetimeFigureOut">
               <a:rPr lang="en-GB" smtClean="0"/>
-              <a:t>07/07/2024</a:t>
+              <a:t>10/11/2024</a:t>
             </a:fld>
             <a:endParaRPr lang="en-GB"/>
           </a:p>
@@ -690,7 +690,7 @@
           <a:p>
             <a:fld id="{CD0E8049-E101-1D4D-AC32-01FB6D0C811C}" type="datetimeFigureOut">
               <a:rPr lang="en-GB" smtClean="0"/>
-              <a:t>07/07/2024</a:t>
+              <a:t>10/11/2024</a:t>
             </a:fld>
             <a:endParaRPr lang="en-GB"/>
           </a:p>
@@ -860,7 +860,7 @@
           <a:p>
             <a:fld id="{CD0E8049-E101-1D4D-AC32-01FB6D0C811C}" type="datetimeFigureOut">
               <a:rPr lang="en-GB" smtClean="0"/>
-              <a:t>07/07/2024</a:t>
+              <a:t>10/11/2024</a:t>
             </a:fld>
             <a:endParaRPr lang="en-GB"/>
           </a:p>
@@ -1040,7 +1040,7 @@
           <a:p>
             <a:fld id="{CD0E8049-E101-1D4D-AC32-01FB6D0C811C}" type="datetimeFigureOut">
               <a:rPr lang="en-GB" smtClean="0"/>
-              <a:t>07/07/2024</a:t>
+              <a:t>10/11/2024</a:t>
             </a:fld>
             <a:endParaRPr lang="en-GB"/>
           </a:p>
@@ -1210,7 +1210,7 @@
           <a:p>
             <a:fld id="{CD0E8049-E101-1D4D-AC32-01FB6D0C811C}" type="datetimeFigureOut">
               <a:rPr lang="en-GB" smtClean="0"/>
-              <a:t>07/07/2024</a:t>
+              <a:t>10/11/2024</a:t>
             </a:fld>
             <a:endParaRPr lang="en-GB"/>
           </a:p>
@@ -1454,7 +1454,7 @@
           <a:p>
             <a:fld id="{CD0E8049-E101-1D4D-AC32-01FB6D0C811C}" type="datetimeFigureOut">
               <a:rPr lang="en-GB" smtClean="0"/>
-              <a:t>07/07/2024</a:t>
+              <a:t>10/11/2024</a:t>
             </a:fld>
             <a:endParaRPr lang="en-GB"/>
           </a:p>
@@ -1686,7 +1686,7 @@
           <a:p>
             <a:fld id="{CD0E8049-E101-1D4D-AC32-01FB6D0C811C}" type="datetimeFigureOut">
               <a:rPr lang="en-GB" smtClean="0"/>
-              <a:t>07/07/2024</a:t>
+              <a:t>10/11/2024</a:t>
             </a:fld>
             <a:endParaRPr lang="en-GB"/>
           </a:p>
@@ -2053,7 +2053,7 @@
           <a:p>
             <a:fld id="{CD0E8049-E101-1D4D-AC32-01FB6D0C811C}" type="datetimeFigureOut">
               <a:rPr lang="en-GB" smtClean="0"/>
-              <a:t>07/07/2024</a:t>
+              <a:t>10/11/2024</a:t>
             </a:fld>
             <a:endParaRPr lang="en-GB"/>
           </a:p>
@@ -2171,7 +2171,7 @@
           <a:p>
             <a:fld id="{CD0E8049-E101-1D4D-AC32-01FB6D0C811C}" type="datetimeFigureOut">
               <a:rPr lang="en-GB" smtClean="0"/>
-              <a:t>07/07/2024</a:t>
+              <a:t>10/11/2024</a:t>
             </a:fld>
             <a:endParaRPr lang="en-GB"/>
           </a:p>
@@ -2266,7 +2266,7 @@
           <a:p>
             <a:fld id="{CD0E8049-E101-1D4D-AC32-01FB6D0C811C}" type="datetimeFigureOut">
               <a:rPr lang="en-GB" smtClean="0"/>
-              <a:t>07/07/2024</a:t>
+              <a:t>10/11/2024</a:t>
             </a:fld>
             <a:endParaRPr lang="en-GB"/>
           </a:p>
@@ -2543,7 +2543,7 @@
           <a:p>
             <a:fld id="{CD0E8049-E101-1D4D-AC32-01FB6D0C811C}" type="datetimeFigureOut">
               <a:rPr lang="en-GB" smtClean="0"/>
-              <a:t>07/07/2024</a:t>
+              <a:t>10/11/2024</a:t>
             </a:fld>
             <a:endParaRPr lang="en-GB"/>
           </a:p>
@@ -2800,7 +2800,7 @@
           <a:p>
             <a:fld id="{CD0E8049-E101-1D4D-AC32-01FB6D0C811C}" type="datetimeFigureOut">
               <a:rPr lang="en-GB" smtClean="0"/>
-              <a:t>07/07/2024</a:t>
+              <a:t>10/11/2024</a:t>
             </a:fld>
             <a:endParaRPr lang="en-GB"/>
           </a:p>
@@ -3013,7 +3013,7 @@
           <a:p>
             <a:fld id="{CD0E8049-E101-1D4D-AC32-01FB6D0C811C}" type="datetimeFigureOut">
               <a:rPr lang="en-GB" smtClean="0"/>
-              <a:t>07/07/2024</a:t>
+              <a:t>10/11/2024</a:t>
             </a:fld>
             <a:endParaRPr lang="en-GB"/>
           </a:p>
@@ -3436,7 +3436,7 @@
         </p:nvSpPr>
         <p:spPr>
           <a:xfrm>
-            <a:off x="594053" y="-607301"/>
+            <a:off x="714372" y="-835907"/>
             <a:ext cx="7452658" cy="467601"/>
           </a:xfrm>
         </p:spPr>
@@ -3453,8 +3453,8 @@
           </a:p>
         </p:txBody>
       </p:sp>
-      <mc:AlternateContent xmlns:mc="http://schemas.openxmlformats.org/markup-compatibility/2006" xmlns:pslz="http://schemas.microsoft.com/office/powerpoint/2016/slidezoom">
-        <mc:Choice Requires="pslz">
+      <mc:AlternateContent xmlns:mc="http://schemas.openxmlformats.org/markup-compatibility/2006">
+        <mc:Choice xmlns:pslz="http://schemas.microsoft.com/office/powerpoint/2016/slidezoom" Requires="pslz">
           <p:graphicFrame>
             <p:nvGraphicFramePr>
               <p:cNvPr id="4" name="Slide Zoom 3">
@@ -3467,11 +3467,17 @@
               <p:cNvGraphicFramePr>
                 <a:graphicFrameLocks noChangeAspect="1"/>
               </p:cNvGraphicFramePr>
-              <p:nvPr/>
+              <p:nvPr>
+                <p:extLst>
+                  <p:ext uri="{D42A27DB-BD31-4B8C-83A1-F6EECF244321}">
+                    <p14:modId xmlns:p14="http://schemas.microsoft.com/office/powerpoint/2010/main" val="1119224215"/>
+                  </p:ext>
+                </p:extLst>
+              </p:nvPr>
             </p:nvGraphicFramePr>
-            <p:xfrm rot="19620000">
-              <a:off x="-220915" y="943067"/>
-              <a:ext cx="6418799" cy="5348015"/>
+            <p:xfrm rot="1973629">
+              <a:off x="188024" y="2168318"/>
+              <a:ext cx="6417867" cy="5347239"/>
             </p:xfrm>
             <a:graphic>
               <a:graphicData uri="http://schemas.microsoft.com/office/powerpoint/2016/slidezoom">
@@ -3485,9 +3491,9 @@
                         </a:stretch>
                       </p166:blipFill>
                       <p166:spPr xmlns:p166="http://schemas.microsoft.com/office/powerpoint/2016/6/main">
-                        <a:xfrm rot="19620000">
+                        <a:xfrm rot="1973629">
                           <a:off x="0" y="0"/>
-                          <a:ext cx="6418799" cy="5348015"/>
+                          <a:ext cx="6417867" cy="5347239"/>
                         </a:xfrm>
                         <a:prstGeom prst="rect">
                           <a:avLst/>
@@ -3507,10 +3513,11 @@
             </a:graphic>
           </p:graphicFrame>
         </mc:Choice>
-        <mc:Fallback xmlns="">
+        <mc:Fallback>
           <p:pic>
             <p:nvPicPr>
               <p:cNvPr id="4" name="Slide Zoom 3">
+                <a:hlinkClick r:id="rId4" action="ppaction://hlinksldjump"/>
                 <a:extLst>
                   <a:ext uri="{FF2B5EF4-FFF2-40B4-BE49-F238E27FC236}">
                     <a16:creationId xmlns:a16="http://schemas.microsoft.com/office/drawing/2014/main" id="{F450306F-0A74-0C43-9619-F479885B589E}"/>
@@ -3523,15 +3530,15 @@
               <p:nvPr/>
             </p:nvPicPr>
             <p:blipFill>
-              <a:blip r:embed="rId4"/>
+              <a:blip r:embed="rId3"/>
               <a:stretch>
                 <a:fillRect/>
               </a:stretch>
             </p:blipFill>
             <p:spPr>
-              <a:xfrm rot="19620000">
-                <a:off x="-220915" y="943067"/>
-                <a:ext cx="6418799" cy="5348015"/>
+              <a:xfrm rot="1973629">
+                <a:off x="188024" y="2168318"/>
+                <a:ext cx="6417867" cy="5347239"/>
               </a:xfrm>
               <a:prstGeom prst="rect">
                 <a:avLst/>
@@ -3547,8 +3554,8 @@
           </p:pic>
         </mc:Fallback>
       </mc:AlternateContent>
-      <mc:AlternateContent xmlns:mc="http://schemas.openxmlformats.org/markup-compatibility/2006" xmlns:pslz="http://schemas.microsoft.com/office/powerpoint/2016/slidezoom">
-        <mc:Choice Requires="pslz">
+      <mc:AlternateContent xmlns:mc="http://schemas.openxmlformats.org/markup-compatibility/2006">
+        <mc:Choice xmlns:pslz="http://schemas.microsoft.com/office/powerpoint/2016/slidezoom" Requires="pslz">
           <p:graphicFrame>
             <p:nvGraphicFramePr>
               <p:cNvPr id="6" name="Slide Zoom 5">
@@ -3561,11 +3568,17 @@
               <p:cNvGraphicFramePr>
                 <a:graphicFrameLocks noChangeAspect="1"/>
               </p:cNvGraphicFramePr>
-              <p:nvPr/>
+              <p:nvPr>
+                <p:extLst>
+                  <p:ext uri="{D42A27DB-BD31-4B8C-83A1-F6EECF244321}">
+                    <p14:modId xmlns:p14="http://schemas.microsoft.com/office/powerpoint/2010/main" val="3921476107"/>
+                  </p:ext>
+                </p:extLst>
+              </p:nvPr>
             </p:nvGraphicFramePr>
-            <p:xfrm rot="18780000">
-              <a:off x="3568713" y="1640215"/>
-              <a:ext cx="4766400" cy="3971269"/>
+            <p:xfrm rot="7980841">
+              <a:off x="4753074" y="533342"/>
+              <a:ext cx="4765985" cy="3970923"/>
             </p:xfrm>
             <a:graphic>
               <a:graphicData uri="http://schemas.microsoft.com/office/powerpoint/2016/slidezoom">
@@ -3579,9 +3592,9 @@
                         </a:stretch>
                       </p166:blipFill>
                       <p166:spPr xmlns:p166="http://schemas.microsoft.com/office/powerpoint/2016/6/main">
-                        <a:xfrm rot="18780000">
+                        <a:xfrm rot="7980841">
                           <a:off x="0" y="0"/>
-                          <a:ext cx="4766400" cy="3971269"/>
+                          <a:ext cx="4765985" cy="3970923"/>
                         </a:xfrm>
                         <a:prstGeom prst="rect">
                           <a:avLst/>
@@ -3601,10 +3614,11 @@
             </a:graphic>
           </p:graphicFrame>
         </mc:Choice>
-        <mc:Fallback xmlns="">
+        <mc:Fallback>
           <p:pic>
             <p:nvPicPr>
               <p:cNvPr id="6" name="Slide Zoom 5">
+                <a:hlinkClick r:id="rId4" action="ppaction://hlinksldjump"/>
                 <a:extLst>
                   <a:ext uri="{FF2B5EF4-FFF2-40B4-BE49-F238E27FC236}">
                     <a16:creationId xmlns:a16="http://schemas.microsoft.com/office/drawing/2014/main" id="{3A50C8FE-F02F-6742-9782-FA80DCFAE063}"/>
@@ -3617,15 +3631,15 @@
               <p:nvPr/>
             </p:nvPicPr>
             <p:blipFill>
-              <a:blip r:embed="rId6"/>
+              <a:blip r:embed="rId5"/>
               <a:stretch>
                 <a:fillRect/>
               </a:stretch>
             </p:blipFill>
             <p:spPr>
-              <a:xfrm rot="18780000">
-                <a:off x="3568713" y="1640215"/>
-                <a:ext cx="4766400" cy="3971269"/>
+              <a:xfrm rot="7980841">
+                <a:off x="4753074" y="533342"/>
+                <a:ext cx="4765985" cy="3970923"/>
               </a:xfrm>
               <a:prstGeom prst="rect">
                 <a:avLst/>
@@ -3655,7 +3669,7 @@
         </p:nvSpPr>
         <p:spPr>
           <a:xfrm>
-            <a:off x="5432237" y="4279898"/>
+            <a:off x="5552556" y="4051292"/>
             <a:ext cx="36000" cy="36000"/>
           </a:xfrm>
           <a:prstGeom prst="ellipse">

--- a/docs/assets/fractals/curves/golden.pptx
+++ b/docs/assets/fractals/curves/golden.pptx
@@ -3470,7 +3470,7 @@
               <p:nvPr>
                 <p:extLst>
                   <p:ext uri="{D42A27DB-BD31-4B8C-83A1-F6EECF244321}">
-                    <p14:modId xmlns:p14="http://schemas.microsoft.com/office/powerpoint/2010/main" val="1119224215"/>
+                    <p14:modId xmlns:p14="http://schemas.microsoft.com/office/powerpoint/2010/main" val="4237954592"/>
                   </p:ext>
                 </p:extLst>
               </p:nvPr>
@@ -3571,7 +3571,7 @@
               <p:nvPr>
                 <p:extLst>
                   <p:ext uri="{D42A27DB-BD31-4B8C-83A1-F6EECF244321}">
-                    <p14:modId xmlns:p14="http://schemas.microsoft.com/office/powerpoint/2010/main" val="3921476107"/>
+                    <p14:modId xmlns:p14="http://schemas.microsoft.com/office/powerpoint/2010/main" val="238624356"/>
                   </p:ext>
                 </p:extLst>
               </p:nvPr>
@@ -3655,58 +3655,6 @@
           </p:pic>
         </mc:Fallback>
       </mc:AlternateContent>
-      <p:sp>
-        <p:nvSpPr>
-          <p:cNvPr id="7" name="Oval 6">
-            <a:extLst>
-              <a:ext uri="{FF2B5EF4-FFF2-40B4-BE49-F238E27FC236}">
-                <a16:creationId xmlns:a16="http://schemas.microsoft.com/office/drawing/2014/main" id="{E26C0FA5-DDC9-2F44-A7AA-E49981D171E5}"/>
-              </a:ext>
-            </a:extLst>
-          </p:cNvPr>
-          <p:cNvSpPr/>
-          <p:nvPr/>
-        </p:nvSpPr>
-        <p:spPr>
-          <a:xfrm>
-            <a:off x="5552556" y="4051292"/>
-            <a:ext cx="36000" cy="36000"/>
-          </a:xfrm>
-          <a:prstGeom prst="ellipse">
-            <a:avLst/>
-          </a:prstGeom>
-          <a:solidFill>
-            <a:srgbClr val="000000"/>
-          </a:solidFill>
-          <a:ln>
-            <a:noFill/>
-          </a:ln>
-        </p:spPr>
-        <p:style>
-          <a:lnRef idx="2">
-            <a:schemeClr val="accent1">
-              <a:shade val="50000"/>
-            </a:schemeClr>
-          </a:lnRef>
-          <a:fillRef idx="1">
-            <a:schemeClr val="accent1"/>
-          </a:fillRef>
-          <a:effectRef idx="0">
-            <a:schemeClr val="accent1"/>
-          </a:effectRef>
-          <a:fontRef idx="minor">
-            <a:schemeClr val="lt1"/>
-          </a:fontRef>
-        </p:style>
-        <p:txBody>
-          <a:bodyPr rtlCol="0" anchor="ctr"/>
-          <a:lstStyle/>
-          <a:p>
-            <a:pPr algn="ctr"/>
-            <a:endParaRPr lang="en-GB"/>
-          </a:p>
-        </p:txBody>
-      </p:sp>
     </p:spTree>
     <p:extLst>
       <p:ext uri="{BB962C8B-B14F-4D97-AF65-F5344CB8AC3E}">

--- a/docs/assets/fractals/curves/golden.pptx
+++ b/docs/assets/fractals/curves/golden.pptx
@@ -197,7 +197,7 @@
           <a:p>
             <a:fld id="{B3645E82-7B42-A74F-8BFC-0AA10BEB2623}" type="datetimeFigureOut">
               <a:rPr lang="en-GB" smtClean="0"/>
-              <a:t>10/11/2024</a:t>
+              <a:t>17/11/2024</a:t>
             </a:fld>
             <a:endParaRPr lang="en-GB"/>
           </a:p>
@@ -508,18 +508,7 @@
           <a:bodyPr/>
           <a:lstStyle/>
           <a:p>
-            <a:r>
-              <a:rPr lang="en-GB" dirty="0"/>
-              <a:t>Golden Dragon – variation of the </a:t>
-            </a:r>
-            <a:r>
-              <a:rPr lang="en-GB" dirty="0" err="1"/>
-              <a:t>Heighway</a:t>
-            </a:r>
-            <a:r>
-              <a:rPr lang="en-GB" dirty="0"/>
-              <a:t> Dragon (change angle and scale factor)</a:t>
-            </a:r>
+            <a:endParaRPr lang="en-GB" dirty="0"/>
           </a:p>
         </p:txBody>
       </p:sp>
@@ -690,7 +679,7 @@
           <a:p>
             <a:fld id="{CD0E8049-E101-1D4D-AC32-01FB6D0C811C}" type="datetimeFigureOut">
               <a:rPr lang="en-GB" smtClean="0"/>
-              <a:t>10/11/2024</a:t>
+              <a:t>17/11/2024</a:t>
             </a:fld>
             <a:endParaRPr lang="en-GB"/>
           </a:p>
@@ -860,7 +849,7 @@
           <a:p>
             <a:fld id="{CD0E8049-E101-1D4D-AC32-01FB6D0C811C}" type="datetimeFigureOut">
               <a:rPr lang="en-GB" smtClean="0"/>
-              <a:t>10/11/2024</a:t>
+              <a:t>17/11/2024</a:t>
             </a:fld>
             <a:endParaRPr lang="en-GB"/>
           </a:p>
@@ -1040,7 +1029,7 @@
           <a:p>
             <a:fld id="{CD0E8049-E101-1D4D-AC32-01FB6D0C811C}" type="datetimeFigureOut">
               <a:rPr lang="en-GB" smtClean="0"/>
-              <a:t>10/11/2024</a:t>
+              <a:t>17/11/2024</a:t>
             </a:fld>
             <a:endParaRPr lang="en-GB"/>
           </a:p>
@@ -1210,7 +1199,7 @@
           <a:p>
             <a:fld id="{CD0E8049-E101-1D4D-AC32-01FB6D0C811C}" type="datetimeFigureOut">
               <a:rPr lang="en-GB" smtClean="0"/>
-              <a:t>10/11/2024</a:t>
+              <a:t>17/11/2024</a:t>
             </a:fld>
             <a:endParaRPr lang="en-GB"/>
           </a:p>
@@ -1454,7 +1443,7 @@
           <a:p>
             <a:fld id="{CD0E8049-E101-1D4D-AC32-01FB6D0C811C}" type="datetimeFigureOut">
               <a:rPr lang="en-GB" smtClean="0"/>
-              <a:t>10/11/2024</a:t>
+              <a:t>17/11/2024</a:t>
             </a:fld>
             <a:endParaRPr lang="en-GB"/>
           </a:p>
@@ -1686,7 +1675,7 @@
           <a:p>
             <a:fld id="{CD0E8049-E101-1D4D-AC32-01FB6D0C811C}" type="datetimeFigureOut">
               <a:rPr lang="en-GB" smtClean="0"/>
-              <a:t>10/11/2024</a:t>
+              <a:t>17/11/2024</a:t>
             </a:fld>
             <a:endParaRPr lang="en-GB"/>
           </a:p>
@@ -2053,7 +2042,7 @@
           <a:p>
             <a:fld id="{CD0E8049-E101-1D4D-AC32-01FB6D0C811C}" type="datetimeFigureOut">
               <a:rPr lang="en-GB" smtClean="0"/>
-              <a:t>10/11/2024</a:t>
+              <a:t>17/11/2024</a:t>
             </a:fld>
             <a:endParaRPr lang="en-GB"/>
           </a:p>
@@ -2171,7 +2160,7 @@
           <a:p>
             <a:fld id="{CD0E8049-E101-1D4D-AC32-01FB6D0C811C}" type="datetimeFigureOut">
               <a:rPr lang="en-GB" smtClean="0"/>
-              <a:t>10/11/2024</a:t>
+              <a:t>17/11/2024</a:t>
             </a:fld>
             <a:endParaRPr lang="en-GB"/>
           </a:p>
@@ -2266,7 +2255,7 @@
           <a:p>
             <a:fld id="{CD0E8049-E101-1D4D-AC32-01FB6D0C811C}" type="datetimeFigureOut">
               <a:rPr lang="en-GB" smtClean="0"/>
-              <a:t>10/11/2024</a:t>
+              <a:t>17/11/2024</a:t>
             </a:fld>
             <a:endParaRPr lang="en-GB"/>
           </a:p>
@@ -2543,7 +2532,7 @@
           <a:p>
             <a:fld id="{CD0E8049-E101-1D4D-AC32-01FB6D0C811C}" type="datetimeFigureOut">
               <a:rPr lang="en-GB" smtClean="0"/>
-              <a:t>10/11/2024</a:t>
+              <a:t>17/11/2024</a:t>
             </a:fld>
             <a:endParaRPr lang="en-GB"/>
           </a:p>
@@ -2800,7 +2789,7 @@
           <a:p>
             <a:fld id="{CD0E8049-E101-1D4D-AC32-01FB6D0C811C}" type="datetimeFigureOut">
               <a:rPr lang="en-GB" smtClean="0"/>
-              <a:t>10/11/2024</a:t>
+              <a:t>17/11/2024</a:t>
             </a:fld>
             <a:endParaRPr lang="en-GB"/>
           </a:p>
@@ -3013,7 +3002,7 @@
           <a:p>
             <a:fld id="{CD0E8049-E101-1D4D-AC32-01FB6D0C811C}" type="datetimeFigureOut">
               <a:rPr lang="en-GB" smtClean="0"/>
-              <a:t>10/11/2024</a:t>
+              <a:t>17/11/2024</a:t>
             </a:fld>
             <a:endParaRPr lang="en-GB"/>
           </a:p>
@@ -3404,6 +3393,14 @@
 <file path=ppt/slides/slide1.xml><?xml version="1.0" encoding="utf-8"?>
 <p:sld xmlns:a="http://schemas.openxmlformats.org/drawingml/2006/main" xmlns:r="http://schemas.openxmlformats.org/officeDocument/2006/relationships" xmlns:p="http://schemas.openxmlformats.org/presentationml/2006/main">
   <p:cSld>
+    <p:bg>
+      <p:bgPr>
+        <a:solidFill>
+          <a:schemeClr val="tx1"/>
+        </a:solidFill>
+        <a:effectLst/>
+      </p:bgPr>
+    </p:bg>
     <p:spTree>
       <p:nvGrpSpPr>
         <p:cNvPr id="1" name=""/>
@@ -3418,43 +3415,8 @@
           <a:chExt cx="0" cy="0"/>
         </a:xfrm>
       </p:grpSpPr>
-      <p:sp>
-        <p:nvSpPr>
-          <p:cNvPr id="2" name="Title 1">
-            <a:extLst>
-              <a:ext uri="{FF2B5EF4-FFF2-40B4-BE49-F238E27FC236}">
-                <a16:creationId xmlns:a16="http://schemas.microsoft.com/office/drawing/2014/main" id="{C87A518F-ECCF-0248-8273-D9A4B5721FED}"/>
-              </a:ext>
-            </a:extLst>
-          </p:cNvPr>
-          <p:cNvSpPr>
-            <a:spLocks noGrp="1"/>
-          </p:cNvSpPr>
-          <p:nvPr>
-            <p:ph type="title"/>
-          </p:nvPr>
-        </p:nvSpPr>
-        <p:spPr>
-          <a:xfrm>
-            <a:off x="714372" y="-835907"/>
-            <a:ext cx="7452658" cy="467601"/>
-          </a:xfrm>
-        </p:spPr>
-        <p:txBody>
-          <a:bodyPr>
-            <a:normAutofit/>
-          </a:bodyPr>
-          <a:lstStyle/>
-          <a:p>
-            <a:r>
-              <a:rPr lang="en-GB" sz="2000" dirty="0"/>
-              <a:t>Golden Dragon</a:t>
-            </a:r>
-          </a:p>
-        </p:txBody>
-      </p:sp>
-      <mc:AlternateContent xmlns:mc="http://schemas.openxmlformats.org/markup-compatibility/2006">
-        <mc:Choice xmlns:pslz="http://schemas.microsoft.com/office/powerpoint/2016/slidezoom" Requires="pslz">
+      <mc:AlternateContent xmlns:mc="http://schemas.openxmlformats.org/markup-compatibility/2006" xmlns:pslz="http://schemas.microsoft.com/office/powerpoint/2016/slidezoom">
+        <mc:Choice Requires="pslz">
           <p:graphicFrame>
             <p:nvGraphicFramePr>
               <p:cNvPr id="4" name="Slide Zoom 3">
@@ -3513,7 +3475,7 @@
             </a:graphic>
           </p:graphicFrame>
         </mc:Choice>
-        <mc:Fallback>
+        <mc:Fallback xmlns="">
           <p:pic>
             <p:nvPicPr>
               <p:cNvPr id="4" name="Slide Zoom 3">
@@ -3530,7 +3492,7 @@
               <p:nvPr/>
             </p:nvPicPr>
             <p:blipFill>
-              <a:blip r:embed="rId3"/>
+              <a:blip r:embed="rId5"/>
               <a:stretch>
                 <a:fillRect/>
               </a:stretch>
@@ -3554,8 +3516,8 @@
           </p:pic>
         </mc:Fallback>
       </mc:AlternateContent>
-      <mc:AlternateContent xmlns:mc="http://schemas.openxmlformats.org/markup-compatibility/2006">
-        <mc:Choice xmlns:pslz="http://schemas.microsoft.com/office/powerpoint/2016/slidezoom" Requires="pslz">
+      <mc:AlternateContent xmlns:mc="http://schemas.openxmlformats.org/markup-compatibility/2006" xmlns:pslz="http://schemas.microsoft.com/office/powerpoint/2016/slidezoom">
+        <mc:Choice Requires="pslz">
           <p:graphicFrame>
             <p:nvGraphicFramePr>
               <p:cNvPr id="6" name="Slide Zoom 5">
@@ -3586,7 +3548,7 @@
                   <pslz:sldZmObj sldId="326" cId="185862242">
                     <pslz:zmPr id="{A7DD5E44-1F56-0642-837F-28FF02F10480}" returnToParent="0" transitionDur="1000" showBg="0">
                       <p166:blipFill xmlns:p166="http://schemas.microsoft.com/office/powerpoint/2016/6/main">
-                        <a:blip r:embed="rId5"/>
+                        <a:blip r:embed="rId6"/>
                         <a:stretch>
                           <a:fillRect/>
                         </a:stretch>
@@ -3614,7 +3576,7 @@
             </a:graphic>
           </p:graphicFrame>
         </mc:Choice>
-        <mc:Fallback>
+        <mc:Fallback xmlns="">
           <p:pic>
             <p:nvPicPr>
               <p:cNvPr id="6" name="Slide Zoom 5">
@@ -3631,7 +3593,7 @@
               <p:nvPr/>
             </p:nvPicPr>
             <p:blipFill>
-              <a:blip r:embed="rId5"/>
+              <a:blip r:embed="rId7"/>
               <a:stretch>
                 <a:fillRect/>
               </a:stretch>
@@ -3655,6 +3617,58 @@
           </p:pic>
         </mc:Fallback>
       </mc:AlternateContent>
+      <p:sp>
+        <p:nvSpPr>
+          <p:cNvPr id="3" name="Oval 2">
+            <a:extLst>
+              <a:ext uri="{FF2B5EF4-FFF2-40B4-BE49-F238E27FC236}">
+                <a16:creationId xmlns:a16="http://schemas.microsoft.com/office/drawing/2014/main" id="{C1531A6A-CE40-0731-1BEF-77AD0DA490EF}"/>
+              </a:ext>
+            </a:extLst>
+          </p:cNvPr>
+          <p:cNvSpPr/>
+          <p:nvPr/>
+        </p:nvSpPr>
+        <p:spPr>
+          <a:xfrm>
+            <a:off x="2632943" y="433131"/>
+            <a:ext cx="421105" cy="421105"/>
+          </a:xfrm>
+          <a:prstGeom prst="ellipse">
+            <a:avLst/>
+          </a:prstGeom>
+          <a:solidFill>
+            <a:srgbClr val="FFC000"/>
+          </a:solidFill>
+          <a:ln>
+            <a:noFill/>
+          </a:ln>
+        </p:spPr>
+        <p:style>
+          <a:lnRef idx="2">
+            <a:schemeClr val="accent1">
+              <a:shade val="50000"/>
+            </a:schemeClr>
+          </a:lnRef>
+          <a:fillRef idx="1">
+            <a:schemeClr val="accent1"/>
+          </a:fillRef>
+          <a:effectRef idx="0">
+            <a:schemeClr val="accent1"/>
+          </a:effectRef>
+          <a:fontRef idx="minor">
+            <a:schemeClr val="lt1"/>
+          </a:fontRef>
+        </p:style>
+        <p:txBody>
+          <a:bodyPr rtlCol="0" anchor="ctr"/>
+          <a:lstStyle/>
+          <a:p>
+            <a:pPr algn="ctr"/>
+            <a:endParaRPr lang="en-GB"/>
+          </a:p>
+        </p:txBody>
+      </p:sp>
     </p:spTree>
     <p:extLst>
       <p:ext uri="{BB962C8B-B14F-4D97-AF65-F5344CB8AC3E}">
